--- a/expenseapp presentation.pptx
+++ b/expenseapp presentation.pptx
@@ -8120,10 +8120,24 @@
         </p:nvSpPr>
         <p:spPr>
           <a:xfrm>
-            <a:off x="2343548" y="2019299"/>
-            <a:ext cx="2707424" cy="4114801"/>
+            <a:off x="2408862" y="2490839"/>
+            <a:ext cx="2380852" cy="2563587"/>
           </a:xfrm>
         </p:spPr>
+        <p:style>
+          <a:lnRef idx="2">
+            <a:schemeClr val="accent1"/>
+          </a:lnRef>
+          <a:fillRef idx="1">
+            <a:schemeClr val="lt1"/>
+          </a:fillRef>
+          <a:effectRef idx="0">
+            <a:schemeClr val="accent1"/>
+          </a:effectRef>
+          <a:fontRef idx="minor">
+            <a:schemeClr val="dk1"/>
+          </a:fontRef>
+        </p:style>
         <p:txBody>
           <a:bodyPr>
             <a:normAutofit/>
@@ -8181,13 +8195,27 @@
         </p:nvSpPr>
         <p:spPr>
           <a:xfrm>
-            <a:off x="6519014" y="2019299"/>
-            <a:ext cx="2707424" cy="4114801"/>
+            <a:off x="6584328" y="2490840"/>
+            <a:ext cx="2037157" cy="2062844"/>
           </a:xfrm>
           <a:prstGeom prst="rect">
             <a:avLst/>
           </a:prstGeom>
         </p:spPr>
+        <p:style>
+          <a:lnRef idx="2">
+            <a:schemeClr val="accent1"/>
+          </a:lnRef>
+          <a:fillRef idx="1">
+            <a:schemeClr val="lt1"/>
+          </a:fillRef>
+          <a:effectRef idx="0">
+            <a:schemeClr val="accent1"/>
+          </a:effectRef>
+          <a:fontRef idx="minor">
+            <a:schemeClr val="dk1"/>
+          </a:fontRef>
+        </p:style>
         <p:txBody>
           <a:bodyPr vert="horz" lIns="91440" tIns="45720" rIns="91440" bIns="45720" rtlCol="0">
             <a:normAutofit/>
@@ -8392,6 +8420,45 @@
           </a:p>
         </p:txBody>
       </p:sp>
+      <p:cxnSp>
+        <p:nvCxnSpPr>
+          <p:cNvPr id="6" name="Elbow Connector 5">
+            <a:extLst>
+              <a:ext uri="{FF2B5EF4-FFF2-40B4-BE49-F238E27FC236}">
+                <a16:creationId xmlns:a16="http://schemas.microsoft.com/office/drawing/2014/main" id="{02B09C90-0DE7-D0F4-BEDC-82493FB5A7BA}"/>
+              </a:ext>
+            </a:extLst>
+          </p:cNvPr>
+          <p:cNvCxnSpPr>
+            <a:cxnSpLocks/>
+          </p:cNvCxnSpPr>
+          <p:nvPr/>
+        </p:nvCxnSpPr>
+        <p:spPr>
+          <a:xfrm rot="10800000" flipV="1">
+            <a:off x="4963885" y="3813452"/>
+            <a:ext cx="1350182" cy="533402"/>
+          </a:xfrm>
+          <a:prstGeom prst="bentConnector3">
+            <a:avLst/>
+          </a:prstGeom>
+          <a:ln w="38100"/>
+        </p:spPr>
+        <p:style>
+          <a:lnRef idx="1">
+            <a:schemeClr val="accent1"/>
+          </a:lnRef>
+          <a:fillRef idx="0">
+            <a:schemeClr val="accent1"/>
+          </a:fillRef>
+          <a:effectRef idx="0">
+            <a:schemeClr val="accent1"/>
+          </a:effectRef>
+          <a:fontRef idx="minor">
+            <a:schemeClr val="tx1"/>
+          </a:fontRef>
+        </p:style>
+      </p:cxnSp>
     </p:spTree>
     <p:extLst>
       <p:ext uri="{BB962C8B-B14F-4D97-AF65-F5344CB8AC3E}">

--- a/expenseapp presentation.pptx
+++ b/expenseapp presentation.pptx
@@ -8120,8 +8120,8 @@
         </p:nvSpPr>
         <p:spPr>
           <a:xfrm>
-            <a:off x="2408862" y="2490839"/>
-            <a:ext cx="2380852" cy="2563587"/>
+            <a:off x="2209800" y="2490839"/>
+            <a:ext cx="2579914" cy="2563587"/>
           </a:xfrm>
         </p:spPr>
         <p:style>
@@ -8140,7 +8140,7 @@
         </p:style>
         <p:txBody>
           <a:bodyPr>
-            <a:normAutofit/>
+            <a:normAutofit fontScale="92500"/>
           </a:bodyPr>
           <a:lstStyle/>
           <a:p>
@@ -8149,13 +8149,13 @@
             </a:pPr>
             <a:r>
               <a:rPr lang="en-US" dirty="0"/>
-              <a:t>Statement Relation</a:t>
+              <a:t>Transactions Relation</a:t>
             </a:r>
           </a:p>
           <a:p>
             <a:r>
               <a:rPr lang="en-US" b="1" dirty="0" err="1"/>
-              <a:t>statement_id</a:t>
+              <a:t>transaction_id</a:t>
             </a:r>
           </a:p>
           <a:p>
@@ -8597,11 +8597,13 @@
         </p:nvSpPr>
         <p:spPr/>
         <p:txBody>
-          <a:bodyPr/>
+          <a:bodyPr>
+            <a:normAutofit/>
+          </a:bodyPr>
           <a:lstStyle/>
           <a:p>
             <a:r>
-              <a:rPr lang="en-US"/>
+              <a:rPr lang="en-US" sz="7000"/>
               <a:t>Tada</a:t>
             </a:r>
           </a:p>
@@ -8634,7 +8636,7 @@
               <a:buNone/>
             </a:pPr>
             <a:r>
-              <a:rPr lang="en-US" sz="6000"/>
+              <a:rPr lang="en-US" sz="3800"/>
               <a:t>https://guanhchen.shinyapps.io/expenseapp/</a:t>
             </a:r>
           </a:p>
